--- a/Nuclear_Fuel_Performance/NE533_Spring2025/Module4/Lec20_ATF.pptx
+++ b/Nuclear_Fuel_Performance/NE533_Spring2025/Module4/Lec20_ATF.pptx
@@ -111,6 +111,11 @@
       </a:defRPr>
     </a:lvl9pPr>
   </p:defaultTextStyle>
+  <p:extLst>
+    <p:ext uri="{EFAFB233-063F-42B5-8137-9DF3F51BA10A}">
+      <p15:sldGuideLst xmlns:p15="http://schemas.microsoft.com/office/powerpoint/2012/main"/>
+    </p:ext>
+  </p:extLst>
 </p:presentation>
 </file>
 
@@ -302,7 +307,7 @@
             </a:pPr>
             <a:fld id="{D6F3A803-A045-354B-887A-01433CE46FC2}" type="datetime1">
               <a:rPr lang="en-US" smtClean="0"/>
-              <a:t>3/21/25</a:t>
+              <a:t>4/8/25</a:t>
             </a:fld>
             <a:endParaRPr lang="en-US"/>
           </a:p>
@@ -495,7 +500,7 @@
             </a:pPr>
             <a:fld id="{A8B33C1D-C2E2-1049-AA3F-CD6E91052752}" type="datetime1">
               <a:rPr lang="en-US" smtClean="0"/>
-              <a:t>3/21/25</a:t>
+              <a:t>4/8/25</a:t>
             </a:fld>
             <a:endParaRPr lang="en-US"/>
           </a:p>
@@ -697,7 +702,7 @@
             </a:pPr>
             <a:fld id="{2791AD68-B60C-4542-BDDD-2074DE6DE828}" type="datetime1">
               <a:rPr lang="en-US" smtClean="0"/>
-              <a:t>3/21/25</a:t>
+              <a:t>4/8/25</a:t>
             </a:fld>
             <a:endParaRPr lang="en-US"/>
           </a:p>
@@ -904,7 +909,7 @@
             </a:pPr>
             <a:fld id="{C5BD04BF-9DC2-6341-92B2-BD109A2EF3B1}" type="datetime1">
               <a:rPr lang="en-US" smtClean="0"/>
-              <a:t>3/21/25</a:t>
+              <a:t>4/8/25</a:t>
             </a:fld>
             <a:endParaRPr lang="en-US"/>
           </a:p>
@@ -1174,7 +1179,7 @@
             </a:pPr>
             <a:fld id="{FB0FFBC7-3028-644D-986B-D9855CB74B38}" type="datetime1">
               <a:rPr lang="en-US" smtClean="0"/>
-              <a:t>3/21/25</a:t>
+              <a:t>4/8/25</a:t>
             </a:fld>
             <a:endParaRPr lang="en-US"/>
           </a:p>
@@ -1494,7 +1499,7 @@
             </a:pPr>
             <a:fld id="{2C3B8AE4-01F5-CC42-9C62-61BC6528368B}" type="datetime1">
               <a:rPr lang="en-US" smtClean="0"/>
-              <a:t>3/21/25</a:t>
+              <a:t>4/8/25</a:t>
             </a:fld>
             <a:endParaRPr lang="en-US"/>
           </a:p>
@@ -1942,7 +1947,7 @@
             </a:pPr>
             <a:fld id="{77E49314-4A78-2444-9569-44EB70168344}" type="datetime1">
               <a:rPr lang="en-US" smtClean="0"/>
-              <a:t>3/21/25</a:t>
+              <a:t>4/8/25</a:t>
             </a:fld>
             <a:endParaRPr lang="en-US"/>
           </a:p>
@@ -2087,7 +2092,7 @@
             </a:pPr>
             <a:fld id="{5BC22837-4683-B242-B000-BCEE30621787}" type="datetime1">
               <a:rPr lang="en-US" smtClean="0"/>
-              <a:t>3/21/25</a:t>
+              <a:t>4/8/25</a:t>
             </a:fld>
             <a:endParaRPr lang="en-US"/>
           </a:p>
@@ -2206,7 +2211,7 @@
             </a:pPr>
             <a:fld id="{DCDAE926-7EF1-0B40-B57E-417D188A609C}" type="datetime1">
               <a:rPr lang="en-US" smtClean="0"/>
-              <a:t>3/21/25</a:t>
+              <a:t>4/8/25</a:t>
             </a:fld>
             <a:endParaRPr lang="en-US"/>
           </a:p>
@@ -2505,7 +2510,7 @@
             </a:pPr>
             <a:fld id="{518D107B-B9C7-5B41-A168-55258AB95F52}" type="datetime1">
               <a:rPr lang="en-US" smtClean="0"/>
-              <a:t>3/21/25</a:t>
+              <a:t>4/8/25</a:t>
             </a:fld>
             <a:endParaRPr lang="en-US"/>
           </a:p>
@@ -2789,7 +2794,7 @@
             </a:pPr>
             <a:fld id="{3AD92D36-EE82-3142-B011-9831FB5E702F}" type="datetime1">
               <a:rPr lang="en-US" smtClean="0"/>
-              <a:t>3/21/25</a:t>
+              <a:t>4/8/25</a:t>
             </a:fld>
             <a:endParaRPr lang="en-US"/>
           </a:p>
@@ -2930,7 +2935,7 @@
               </a14:hiddenLine>
             </a:ext>
             <a:ext uri="{FAA26D3D-D897-4be2-8F04-BA451C77F1D7}">
-              <ma14:placeholderFlag xmlns:ma14="http://schemas.microsoft.com/office/mac/drawingml/2011/main" xmlns="" val="1"/>
+              <ma14:placeholderFlag xmlns="" xmlns:ma14="http://schemas.microsoft.com/office/mac/drawingml/2011/main" val="1"/>
             </a:ext>
           </a:extLst>
         </p:spPr>
@@ -2998,7 +3003,7 @@
               </a14:hiddenLine>
             </a:ext>
             <a:ext uri="{FAA26D3D-D897-4be2-8F04-BA451C77F1D7}">
-              <ma14:placeholderFlag xmlns:ma14="http://schemas.microsoft.com/office/mac/drawingml/2011/main" xmlns="" val="1"/>
+              <ma14:placeholderFlag xmlns="" xmlns:ma14="http://schemas.microsoft.com/office/mac/drawingml/2011/main" val="1"/>
             </a:ext>
           </a:extLst>
         </p:spPr>
@@ -3094,7 +3099,7 @@
             </a:pPr>
             <a:fld id="{3EE08B4B-7256-494F-A90D-3891BD685F4A}" type="datetime1">
               <a:rPr lang="en-US" smtClean="0"/>
-              <a:t>3/21/25</a:t>
+              <a:t>4/8/25</a:t>
             </a:fld>
             <a:endParaRPr lang="en-US" dirty="0"/>
           </a:p>
